--- a/day 4/SAC_Training Day 4.pptx
+++ b/day 4/SAC_Training Day 4.pptx
@@ -6,21 +6,22 @@
     <p:sldMasterId id="2147483660" r:id="rId2"/>
   </p:sldMasterIdLst>
   <p:notesMasterIdLst>
-    <p:notesMasterId r:id="rId15"/>
+    <p:notesMasterId r:id="rId16"/>
   </p:notesMasterIdLst>
   <p:sldIdLst>
     <p:sldId id="256" r:id="rId3"/>
     <p:sldId id="463" r:id="rId4"/>
     <p:sldId id="426" r:id="rId5"/>
-    <p:sldId id="427" r:id="rId6"/>
-    <p:sldId id="428" r:id="rId7"/>
-    <p:sldId id="429" r:id="rId8"/>
-    <p:sldId id="430" r:id="rId9"/>
-    <p:sldId id="431" r:id="rId10"/>
-    <p:sldId id="462" r:id="rId11"/>
-    <p:sldId id="475" r:id="rId12"/>
-    <p:sldId id="399" r:id="rId13"/>
-    <p:sldId id="409" r:id="rId14"/>
+    <p:sldId id="476" r:id="rId6"/>
+    <p:sldId id="427" r:id="rId7"/>
+    <p:sldId id="428" r:id="rId8"/>
+    <p:sldId id="429" r:id="rId9"/>
+    <p:sldId id="430" r:id="rId10"/>
+    <p:sldId id="431" r:id="rId11"/>
+    <p:sldId id="462" r:id="rId12"/>
+    <p:sldId id="475" r:id="rId13"/>
+    <p:sldId id="399" r:id="rId14"/>
+    <p:sldId id="409" r:id="rId15"/>
   </p:sldIdLst>
   <p:sldSz cx="12192000" cy="6858000"/>
   <p:notesSz cx="6858000" cy="9144000"/>
@@ -672,7 +673,7 @@
                 <a:tabLst/>
                 <a:defRPr/>
               </a:pPr>
-              <a:t>12</a:t>
+              <a:t>13</a:t>
             </a:fld>
             <a:endParaRPr kumimoji="0" lang="en-US" sz="1200" b="0" i="0" u="none" strike="noStrike" kern="1200" cap="none" spc="0" normalizeH="0" baseline="0" noProof="0">
               <a:ln>
@@ -8693,6 +8694,120 @@
       </p:grpSpPr>
       <p:sp>
         <p:nvSpPr>
+          <p:cNvPr id="2" name="Title 3">
+            <a:extLst>
+              <a:ext uri="{FF2B5EF4-FFF2-40B4-BE49-F238E27FC236}">
+                <a16:creationId xmlns:a16="http://schemas.microsoft.com/office/drawing/2014/main" id="{F07FC580-E2AB-4C55-8C95-D5E077A1D127}"/>
+              </a:ext>
+            </a:extLst>
+          </p:cNvPr>
+          <p:cNvSpPr txBox="1">
+            <a:spLocks/>
+          </p:cNvSpPr>
+          <p:nvPr/>
+        </p:nvSpPr>
+        <p:spPr>
+          <a:xfrm>
+            <a:off x="261764" y="188640"/>
+            <a:ext cx="11292008" cy="711081"/>
+          </a:xfrm>
+          <a:prstGeom prst="rect">
+            <a:avLst/>
+          </a:prstGeom>
+        </p:spPr>
+        <p:txBody>
+          <a:bodyPr/>
+          <a:lstStyle>
+            <a:lvl1pPr algn="l" defTabSz="914400" rtl="0" eaLnBrk="1" latinLnBrk="0" hangingPunct="1">
+              <a:lnSpc>
+                <a:spcPct val="90000"/>
+              </a:lnSpc>
+              <a:spcBef>
+                <a:spcPct val="0"/>
+              </a:spcBef>
+              <a:buNone/>
+              <a:defRPr sz="4400" kern="1200">
+                <a:solidFill>
+                  <a:schemeClr val="tx1"/>
+                </a:solidFill>
+                <a:latin typeface="+mj-lt"/>
+                <a:ea typeface="+mj-ea"/>
+                <a:cs typeface="+mj-cs"/>
+              </a:defRPr>
+            </a:lvl1pPr>
+          </a:lstStyle>
+          <a:p>
+            <a:endParaRPr lang="en-US" b="1" dirty="0"/>
+          </a:p>
+        </p:txBody>
+      </p:sp>
+      <p:sp>
+        <p:nvSpPr>
+          <p:cNvPr id="7" name="TextBox 6">
+            <a:extLst>
+              <a:ext uri="{FF2B5EF4-FFF2-40B4-BE49-F238E27FC236}">
+                <a16:creationId xmlns:a16="http://schemas.microsoft.com/office/drawing/2014/main" id="{17EB74BE-8011-4153-8F37-3BEF9C1F4CC0}"/>
+              </a:ext>
+            </a:extLst>
+          </p:cNvPr>
+          <p:cNvSpPr txBox="1"/>
+          <p:nvPr/>
+        </p:nvSpPr>
+        <p:spPr>
+          <a:xfrm>
+            <a:off x="3512128" y="2507734"/>
+            <a:ext cx="6174508" cy="1323439"/>
+          </a:xfrm>
+          <a:prstGeom prst="rect">
+            <a:avLst/>
+          </a:prstGeom>
+          <a:noFill/>
+        </p:spPr>
+        <p:txBody>
+          <a:bodyPr wrap="square">
+            <a:spAutoFit/>
+          </a:bodyPr>
+          <a:lstStyle/>
+          <a:p>
+            <a:r>
+              <a:rPr lang="en-US" sz="8000" b="1" dirty="0"/>
+              <a:t>End of Day 4</a:t>
+            </a:r>
+          </a:p>
+        </p:txBody>
+      </p:sp>
+    </p:spTree>
+    <p:extLst>
+      <p:ext uri="{BB962C8B-B14F-4D97-AF65-F5344CB8AC3E}">
+        <p14:creationId xmlns:p14="http://schemas.microsoft.com/office/powerpoint/2010/main" val="3867772902"/>
+      </p:ext>
+    </p:extLst>
+  </p:cSld>
+  <p:clrMapOvr>
+    <a:masterClrMapping/>
+  </p:clrMapOvr>
+</p:sld>
+</file>
+
+<file path=ppt/slides/slide11.xml><?xml version="1.0" encoding="utf-8"?>
+<p:sld xmlns:a="http://schemas.openxmlformats.org/drawingml/2006/main" xmlns:r="http://schemas.openxmlformats.org/officeDocument/2006/relationships" xmlns:p="http://schemas.openxmlformats.org/presentationml/2006/main">
+  <p:cSld>
+    <p:spTree>
+      <p:nvGrpSpPr>
+        <p:cNvPr id="1" name=""/>
+        <p:cNvGrpSpPr/>
+        <p:nvPr/>
+      </p:nvGrpSpPr>
+      <p:grpSpPr>
+        <a:xfrm>
+          <a:off x="0" y="0"/>
+          <a:ext cx="0" cy="0"/>
+          <a:chOff x="0" y="0"/>
+          <a:chExt cx="0" cy="0"/>
+        </a:xfrm>
+      </p:grpSpPr>
+      <p:sp>
+        <p:nvSpPr>
           <p:cNvPr id="2" name="Title 1">
             <a:extLst>
               <a:ext uri="{FF2B5EF4-FFF2-40B4-BE49-F238E27FC236}">
@@ -8754,7 +8869,7 @@
 </p:sld>
 </file>
 
-<file path=ppt/slides/slide11.xml><?xml version="1.0" encoding="utf-8"?>
+<file path=ppt/slides/slide12.xml><?xml version="1.0" encoding="utf-8"?>
 <p:sld xmlns:a="http://schemas.openxmlformats.org/drawingml/2006/main" xmlns:r="http://schemas.openxmlformats.org/officeDocument/2006/relationships" xmlns:p="http://schemas.openxmlformats.org/presentationml/2006/main">
   <p:cSld>
     <p:spTree>
@@ -8864,7 +8979,7 @@
 </p:sld>
 </file>
 
-<file path=ppt/slides/slide12.xml><?xml version="1.0" encoding="utf-8"?>
+<file path=ppt/slides/slide13.xml><?xml version="1.0" encoding="utf-8"?>
 <p:sld xmlns:a="http://schemas.openxmlformats.org/drawingml/2006/main" xmlns:r="http://schemas.openxmlformats.org/officeDocument/2006/relationships" xmlns:p="http://schemas.openxmlformats.org/presentationml/2006/main">
   <p:cSld>
     <p:bg>
@@ -10212,29 +10327,51 @@
               <a:buAutoNum type="arabicPeriod"/>
             </a:pPr>
             <a:r>
+              <a:rPr lang="en-US" sz="2400">
+                <a:solidFill>
+                  <a:prstClr val="black"/>
+                </a:solidFill>
+                <a:latin typeface="Calibri"/>
+              </a:rPr>
+              <a:t>Model based</a:t>
+            </a:r>
+            <a:endParaRPr lang="en-US" sz="2400" dirty="0">
+              <a:solidFill>
+                <a:prstClr val="black"/>
+              </a:solidFill>
+              <a:latin typeface="Calibri"/>
+            </a:endParaRPr>
+          </a:p>
+          <a:p>
+            <a:pPr marL="457200" indent="-457200" defTabSz="1218987">
+              <a:buFontTx/>
+              <a:buAutoNum type="arabicPeriod"/>
+            </a:pPr>
+            <a:r>
               <a:rPr lang="en-US" sz="2400" dirty="0">
                 <a:solidFill>
                   <a:prstClr val="black"/>
                 </a:solidFill>
                 <a:latin typeface="Calibri"/>
               </a:rPr>
-              <a:t>Model based - dataset</a:t>
-            </a:r>
-          </a:p>
-          <a:p>
-            <a:pPr marL="457200" indent="-457200" defTabSz="1218987">
-              <a:buFontTx/>
-              <a:buAutoNum type="arabicPeriod"/>
-            </a:pPr>
+              <a:t>File Based - </a:t>
+            </a:r>
             <a:r>
               <a:rPr lang="en-US" sz="2400" dirty="0">
                 <a:solidFill>
                   <a:prstClr val="black"/>
                 </a:solidFill>
                 <a:latin typeface="Calibri"/>
+                <a:hlinkClick r:id="rId3"/>
               </a:rPr>
-              <a:t>File Based - dataset</a:t>
-            </a:r>
+              <a:t>dataset</a:t>
+            </a:r>
+            <a:endParaRPr lang="en-US" sz="2400" dirty="0">
+              <a:solidFill>
+                <a:prstClr val="black"/>
+              </a:solidFill>
+              <a:latin typeface="Calibri"/>
+            </a:endParaRPr>
           </a:p>
           <a:p>
             <a:pPr marL="457200" indent="-457200" defTabSz="1218987">
@@ -10275,8 +10412,24 @@
                 </a:solidFill>
                 <a:latin typeface="Calibri"/>
               </a:rPr>
-              <a:t> file based (shape file) - dataset</a:t>
-            </a:r>
+              <a:t> file based (shape file) - </a:t>
+            </a:r>
+            <a:r>
+              <a:rPr lang="en-US" sz="2400" dirty="0">
+                <a:solidFill>
+                  <a:prstClr val="black"/>
+                </a:solidFill>
+                <a:latin typeface="Calibri"/>
+                <a:hlinkClick r:id="rId4"/>
+              </a:rPr>
+              <a:t>dataset</a:t>
+            </a:r>
+            <a:endParaRPr lang="en-US" sz="2400" dirty="0">
+              <a:solidFill>
+                <a:prstClr val="black"/>
+              </a:solidFill>
+              <a:latin typeface="Calibri"/>
+            </a:endParaRPr>
           </a:p>
         </p:txBody>
       </p:sp>
@@ -10297,6 +10450,99 @@
 </file>
 
 <file path=ppt/slides/slide4.xml><?xml version="1.0" encoding="utf-8"?>
+<p:sld xmlns:a="http://schemas.openxmlformats.org/drawingml/2006/main" xmlns:r="http://schemas.openxmlformats.org/officeDocument/2006/relationships" xmlns:p="http://schemas.openxmlformats.org/presentationml/2006/main">
+  <p:cSld>
+    <p:spTree>
+      <p:nvGrpSpPr>
+        <p:cNvPr id="1" name=""/>
+        <p:cNvGrpSpPr/>
+        <p:nvPr/>
+      </p:nvGrpSpPr>
+      <p:grpSpPr>
+        <a:xfrm>
+          <a:off x="0" y="0"/>
+          <a:ext cx="0" cy="0"/>
+          <a:chOff x="0" y="0"/>
+          <a:chExt cx="0" cy="0"/>
+        </a:xfrm>
+      </p:grpSpPr>
+      <p:sp>
+        <p:nvSpPr>
+          <p:cNvPr id="2" name="Title 1">
+            <a:extLst>
+              <a:ext uri="{FF2B5EF4-FFF2-40B4-BE49-F238E27FC236}">
+                <a16:creationId xmlns:a16="http://schemas.microsoft.com/office/drawing/2014/main" id="{E230B051-BAA0-46ED-9C8C-30CCC7C917CF}"/>
+              </a:ext>
+            </a:extLst>
+          </p:cNvPr>
+          <p:cNvSpPr>
+            <a:spLocks noGrp="1"/>
+          </p:cNvSpPr>
+          <p:nvPr>
+            <p:ph type="title"/>
+          </p:nvPr>
+        </p:nvSpPr>
+        <p:spPr/>
+        <p:txBody>
+          <a:bodyPr/>
+          <a:lstStyle/>
+          <a:p>
+            <a:r>
+              <a:rPr lang="en-US" dirty="0"/>
+              <a:t>Advance BI Scenario</a:t>
+            </a:r>
+          </a:p>
+        </p:txBody>
+      </p:sp>
+      <p:sp>
+        <p:nvSpPr>
+          <p:cNvPr id="3" name="Content Placeholder 2">
+            <a:extLst>
+              <a:ext uri="{FF2B5EF4-FFF2-40B4-BE49-F238E27FC236}">
+                <a16:creationId xmlns:a16="http://schemas.microsoft.com/office/drawing/2014/main" id="{A72CB540-3CBE-4C28-A8AD-15C3147A229E}"/>
+              </a:ext>
+            </a:extLst>
+          </p:cNvPr>
+          <p:cNvSpPr>
+            <a:spLocks noGrp="1"/>
+          </p:cNvSpPr>
+          <p:nvPr>
+            <p:ph sz="quarter" idx="13"/>
+          </p:nvPr>
+        </p:nvSpPr>
+        <p:spPr/>
+        <p:txBody>
+          <a:bodyPr/>
+          <a:lstStyle/>
+          <a:p>
+            <a:r>
+              <a:rPr lang="en-US" dirty="0"/>
+              <a:t>Advance BI Scenario with variance </a:t>
+            </a:r>
+            <a:r>
+              <a:rPr lang="en-US" dirty="0">
+                <a:hlinkClick r:id="rId2"/>
+              </a:rPr>
+              <a:t>click here</a:t>
+            </a:r>
+            <a:endParaRPr lang="en-US" dirty="0"/>
+          </a:p>
+        </p:txBody>
+      </p:sp>
+    </p:spTree>
+    <p:extLst>
+      <p:ext uri="{BB962C8B-B14F-4D97-AF65-F5344CB8AC3E}">
+        <p14:creationId xmlns:p14="http://schemas.microsoft.com/office/powerpoint/2010/main" val="1716169486"/>
+      </p:ext>
+    </p:extLst>
+  </p:cSld>
+  <p:clrMapOvr>
+    <a:masterClrMapping/>
+  </p:clrMapOvr>
+</p:sld>
+</file>
+
+<file path=ppt/slides/slide5.xml><?xml version="1.0" encoding="utf-8"?>
 <p:sld xmlns:a="http://schemas.openxmlformats.org/drawingml/2006/main" xmlns:r="http://schemas.openxmlformats.org/officeDocument/2006/relationships" xmlns:p="http://schemas.openxmlformats.org/presentationml/2006/main">
   <p:cSld>
     <p:spTree>
@@ -10622,7 +10868,7 @@
 </p:sld>
 </file>
 
-<file path=ppt/slides/slide5.xml><?xml version="1.0" encoding="utf-8"?>
+<file path=ppt/slides/slide6.xml><?xml version="1.0" encoding="utf-8"?>
 <p:sld xmlns:a="http://schemas.openxmlformats.org/drawingml/2006/main" xmlns:r="http://schemas.openxmlformats.org/officeDocument/2006/relationships" xmlns:p="http://schemas.openxmlformats.org/presentationml/2006/main">
   <p:cSld>
     <p:spTree>
@@ -11839,7 +12085,7 @@
 </p:sld>
 </file>
 
-<file path=ppt/slides/slide6.xml><?xml version="1.0" encoding="utf-8"?>
+<file path=ppt/slides/slide7.xml><?xml version="1.0" encoding="utf-8"?>
 <p:sld xmlns:a="http://schemas.openxmlformats.org/drawingml/2006/main" xmlns:r="http://schemas.openxmlformats.org/officeDocument/2006/relationships" xmlns:p="http://schemas.openxmlformats.org/presentationml/2006/main">
   <p:cSld>
     <p:spTree>
@@ -12156,7 +12402,7 @@
 </p:sld>
 </file>
 
-<file path=ppt/slides/slide7.xml><?xml version="1.0" encoding="utf-8"?>
+<file path=ppt/slides/slide8.xml><?xml version="1.0" encoding="utf-8"?>
 <p:sld xmlns:a="http://schemas.openxmlformats.org/drawingml/2006/main" xmlns:r="http://schemas.openxmlformats.org/officeDocument/2006/relationships" xmlns:p="http://schemas.openxmlformats.org/presentationml/2006/main">
   <p:cSld>
     <p:spTree>
@@ -12500,7 +12746,7 @@
 </p:sld>
 </file>
 
-<file path=ppt/slides/slide8.xml><?xml version="1.0" encoding="utf-8"?>
+<file path=ppt/slides/slide9.xml><?xml version="1.0" encoding="utf-8"?>
 <p:sld xmlns:a="http://schemas.openxmlformats.org/drawingml/2006/main" xmlns:r="http://schemas.openxmlformats.org/officeDocument/2006/relationships" xmlns:p="http://schemas.openxmlformats.org/presentationml/2006/main">
   <p:cSld>
     <p:spTree>
@@ -12722,120 +12968,6 @@
   <p:transition spd="slow">
     <p:push dir="u"/>
   </p:transition>
-</p:sld>
-</file>
-
-<file path=ppt/slides/slide9.xml><?xml version="1.0" encoding="utf-8"?>
-<p:sld xmlns:a="http://schemas.openxmlformats.org/drawingml/2006/main" xmlns:r="http://schemas.openxmlformats.org/officeDocument/2006/relationships" xmlns:p="http://schemas.openxmlformats.org/presentationml/2006/main">
-  <p:cSld>
-    <p:spTree>
-      <p:nvGrpSpPr>
-        <p:cNvPr id="1" name=""/>
-        <p:cNvGrpSpPr/>
-        <p:nvPr/>
-      </p:nvGrpSpPr>
-      <p:grpSpPr>
-        <a:xfrm>
-          <a:off x="0" y="0"/>
-          <a:ext cx="0" cy="0"/>
-          <a:chOff x="0" y="0"/>
-          <a:chExt cx="0" cy="0"/>
-        </a:xfrm>
-      </p:grpSpPr>
-      <p:sp>
-        <p:nvSpPr>
-          <p:cNvPr id="2" name="Title 3">
-            <a:extLst>
-              <a:ext uri="{FF2B5EF4-FFF2-40B4-BE49-F238E27FC236}">
-                <a16:creationId xmlns:a16="http://schemas.microsoft.com/office/drawing/2014/main" id="{F07FC580-E2AB-4C55-8C95-D5E077A1D127}"/>
-              </a:ext>
-            </a:extLst>
-          </p:cNvPr>
-          <p:cNvSpPr txBox="1">
-            <a:spLocks/>
-          </p:cNvSpPr>
-          <p:nvPr/>
-        </p:nvSpPr>
-        <p:spPr>
-          <a:xfrm>
-            <a:off x="261764" y="188640"/>
-            <a:ext cx="11292008" cy="711081"/>
-          </a:xfrm>
-          <a:prstGeom prst="rect">
-            <a:avLst/>
-          </a:prstGeom>
-        </p:spPr>
-        <p:txBody>
-          <a:bodyPr/>
-          <a:lstStyle>
-            <a:lvl1pPr algn="l" defTabSz="914400" rtl="0" eaLnBrk="1" latinLnBrk="0" hangingPunct="1">
-              <a:lnSpc>
-                <a:spcPct val="90000"/>
-              </a:lnSpc>
-              <a:spcBef>
-                <a:spcPct val="0"/>
-              </a:spcBef>
-              <a:buNone/>
-              <a:defRPr sz="4400" kern="1200">
-                <a:solidFill>
-                  <a:schemeClr val="tx1"/>
-                </a:solidFill>
-                <a:latin typeface="+mj-lt"/>
-                <a:ea typeface="+mj-ea"/>
-                <a:cs typeface="+mj-cs"/>
-              </a:defRPr>
-            </a:lvl1pPr>
-          </a:lstStyle>
-          <a:p>
-            <a:endParaRPr lang="en-US" b="1" dirty="0"/>
-          </a:p>
-        </p:txBody>
-      </p:sp>
-      <p:sp>
-        <p:nvSpPr>
-          <p:cNvPr id="7" name="TextBox 6">
-            <a:extLst>
-              <a:ext uri="{FF2B5EF4-FFF2-40B4-BE49-F238E27FC236}">
-                <a16:creationId xmlns:a16="http://schemas.microsoft.com/office/drawing/2014/main" id="{17EB74BE-8011-4153-8F37-3BEF9C1F4CC0}"/>
-              </a:ext>
-            </a:extLst>
-          </p:cNvPr>
-          <p:cNvSpPr txBox="1"/>
-          <p:nvPr/>
-        </p:nvSpPr>
-        <p:spPr>
-          <a:xfrm>
-            <a:off x="3512128" y="2507734"/>
-            <a:ext cx="6174508" cy="1323439"/>
-          </a:xfrm>
-          <a:prstGeom prst="rect">
-            <a:avLst/>
-          </a:prstGeom>
-          <a:noFill/>
-        </p:spPr>
-        <p:txBody>
-          <a:bodyPr wrap="square">
-            <a:spAutoFit/>
-          </a:bodyPr>
-          <a:lstStyle/>
-          <a:p>
-            <a:r>
-              <a:rPr lang="en-US" sz="8000" b="1" dirty="0"/>
-              <a:t>End of Day 4</a:t>
-            </a:r>
-          </a:p>
-        </p:txBody>
-      </p:sp>
-    </p:spTree>
-    <p:extLst>
-      <p:ext uri="{BB962C8B-B14F-4D97-AF65-F5344CB8AC3E}">
-        <p14:creationId xmlns:p14="http://schemas.microsoft.com/office/powerpoint/2010/main" val="3867772902"/>
-      </p:ext>
-    </p:extLst>
-  </p:cSld>
-  <p:clrMapOvr>
-    <a:masterClrMapping/>
-  </p:clrMapOvr>
 </p:sld>
 </file>
 

--- a/day 4/SAC_Training Day 4.pptx
+++ b/day 4/SAC_Training Day 4.pptx
@@ -210,7 +210,7 @@
           <a:p>
             <a:fld id="{4AF2A06D-4991-4208-8C88-4E8BAD69A8B8}" type="datetimeFigureOut">
               <a:rPr lang="en-US" smtClean="0"/>
-              <a:t>12/6/2020</a:t>
+              <a:t>12/12/2020</a:t>
             </a:fld>
             <a:endParaRPr lang="en-US"/>
           </a:p>
@@ -834,7 +834,7 @@
           <a:p>
             <a:fld id="{E26E0DA5-0C76-4851-AA82-0B75261F9EB4}" type="datetimeFigureOut">
               <a:rPr lang="en-US" smtClean="0"/>
-              <a:t>12/6/2020</a:t>
+              <a:t>12/12/2020</a:t>
             </a:fld>
             <a:endParaRPr lang="en-US"/>
           </a:p>
@@ -1002,7 +1002,7 @@
           <a:p>
             <a:fld id="{E26E0DA5-0C76-4851-AA82-0B75261F9EB4}" type="datetimeFigureOut">
               <a:rPr lang="en-US" smtClean="0"/>
-              <a:t>12/6/2020</a:t>
+              <a:t>12/12/2020</a:t>
             </a:fld>
             <a:endParaRPr lang="en-US"/>
           </a:p>
@@ -1180,7 +1180,7 @@
           <a:p>
             <a:fld id="{E26E0DA5-0C76-4851-AA82-0B75261F9EB4}" type="datetimeFigureOut">
               <a:rPr lang="en-US" smtClean="0"/>
-              <a:t>12/6/2020</a:t>
+              <a:t>12/12/2020</a:t>
             </a:fld>
             <a:endParaRPr lang="en-US"/>
           </a:p>
@@ -1507,7 +1507,7 @@
             <a:fld id="{9578D6DB-6798-42D2-B9AD-FC6F1C72FC30}" type="datetimeFigureOut">
               <a:rPr lang="en-US" smtClean="0"/>
               <a:pPr/>
-              <a:t>12/6/2020</a:t>
+              <a:t>12/12/2020</a:t>
             </a:fld>
             <a:endParaRPr lang="en-US"/>
           </a:p>
@@ -1749,7 +1749,7 @@
             <a:fld id="{425404F2-BE9A-4460-8815-8F645183555F}" type="datetimeFigureOut">
               <a:rPr lang="en-US" smtClean="0"/>
               <a:pPr/>
-              <a:t>12/6/2020</a:t>
+              <a:t>12/12/2020</a:t>
             </a:fld>
             <a:endParaRPr lang="en-US"/>
           </a:p>
@@ -1877,7 +1877,7 @@
             <a:fld id="{425404F2-BE9A-4460-8815-8F645183555F}" type="datetimeFigureOut">
               <a:rPr lang="en-US" smtClean="0"/>
               <a:pPr/>
-              <a:t>12/6/2020</a:t>
+              <a:t>12/12/2020</a:t>
             </a:fld>
             <a:endParaRPr lang="en-US"/>
           </a:p>
@@ -2127,7 +2127,7 @@
             <a:fld id="{425404F2-BE9A-4460-8815-8F645183555F}" type="datetimeFigureOut">
               <a:rPr lang="en-US" smtClean="0"/>
               <a:pPr/>
-              <a:t>12/6/2020</a:t>
+              <a:t>12/12/2020</a:t>
             </a:fld>
             <a:endParaRPr lang="en-US"/>
           </a:p>
@@ -2297,7 +2297,7 @@
             <a:fld id="{425404F2-BE9A-4460-8815-8F645183555F}" type="datetimeFigureOut">
               <a:rPr lang="en-US" smtClean="0"/>
               <a:pPr/>
-              <a:t>12/6/2020</a:t>
+              <a:t>12/12/2020</a:t>
             </a:fld>
             <a:endParaRPr lang="en-US"/>
           </a:p>
@@ -2584,7 +2584,7 @@
             <a:fld id="{425404F2-BE9A-4460-8815-8F645183555F}" type="datetimeFigureOut">
               <a:rPr lang="en-US" smtClean="0"/>
               <a:pPr/>
-              <a:t>12/6/2020</a:t>
+              <a:t>12/12/2020</a:t>
             </a:fld>
             <a:endParaRPr lang="en-US"/>
           </a:p>
@@ -3005,7 +3005,7 @@
             <a:fld id="{425404F2-BE9A-4460-8815-8F645183555F}" type="datetimeFigureOut">
               <a:rPr lang="en-US" smtClean="0"/>
               <a:pPr/>
-              <a:t>12/6/2020</a:t>
+              <a:t>12/12/2020</a:t>
             </a:fld>
             <a:endParaRPr lang="en-US"/>
           </a:p>
@@ -3130,7 +3130,7 @@
             <a:fld id="{425404F2-BE9A-4460-8815-8F645183555F}" type="datetimeFigureOut">
               <a:rPr lang="en-US" smtClean="0"/>
               <a:pPr/>
-              <a:t>12/6/2020</a:t>
+              <a:t>12/12/2020</a:t>
             </a:fld>
             <a:endParaRPr lang="en-US"/>
           </a:p>
@@ -3356,7 +3356,7 @@
           <a:p>
             <a:fld id="{E26E0DA5-0C76-4851-AA82-0B75261F9EB4}" type="datetimeFigureOut">
               <a:rPr lang="en-US" smtClean="0"/>
-              <a:t>12/6/2020</a:t>
+              <a:t>12/12/2020</a:t>
             </a:fld>
             <a:endParaRPr lang="en-US"/>
           </a:p>
@@ -3480,7 +3480,7 @@
             <a:fld id="{425404F2-BE9A-4460-8815-8F645183555F}" type="datetimeFigureOut">
               <a:rPr lang="en-US" smtClean="0"/>
               <a:pPr/>
-              <a:t>12/6/2020</a:t>
+              <a:t>12/12/2020</a:t>
             </a:fld>
             <a:endParaRPr lang="en-US"/>
           </a:p>
@@ -4027,7 +4027,7 @@
             <a:fld id="{425404F2-BE9A-4460-8815-8F645183555F}" type="datetimeFigureOut">
               <a:rPr lang="en-US" smtClean="0"/>
               <a:pPr/>
-              <a:t>12/6/2020</a:t>
+              <a:t>12/12/2020</a:t>
             </a:fld>
             <a:endParaRPr lang="en-US"/>
           </a:p>
@@ -4175,7 +4175,7 @@
             <a:fld id="{425404F2-BE9A-4460-8815-8F645183555F}" type="datetimeFigureOut">
               <a:rPr lang="en-US" smtClean="0"/>
               <a:pPr/>
-              <a:t>12/6/2020</a:t>
+              <a:t>12/12/2020</a:t>
             </a:fld>
             <a:endParaRPr lang="en-US"/>
           </a:p>
@@ -4408,7 +4408,7 @@
             <a:fld id="{425404F2-BE9A-4460-8815-8F645183555F}" type="datetimeFigureOut">
               <a:rPr lang="en-US" smtClean="0"/>
               <a:pPr/>
-              <a:t>12/6/2020</a:t>
+              <a:t>12/12/2020</a:t>
             </a:fld>
             <a:endParaRPr lang="en-US"/>
           </a:p>
@@ -4646,7 +4646,7 @@
             <a:fld id="{425404F2-BE9A-4460-8815-8F645183555F}" type="datetimeFigureOut">
               <a:rPr lang="en-US" smtClean="0"/>
               <a:pPr/>
-              <a:t>12/6/2020</a:t>
+              <a:t>12/12/2020</a:t>
             </a:fld>
             <a:endParaRPr lang="en-US"/>
           </a:p>
@@ -4828,7 +4828,7 @@
             <a:fld id="{425404F2-BE9A-4460-8815-8F645183555F}" type="datetimeFigureOut">
               <a:rPr lang="en-US" smtClean="0"/>
               <a:pPr/>
-              <a:t>12/6/2020</a:t>
+              <a:t>12/12/2020</a:t>
             </a:fld>
             <a:endParaRPr lang="en-US"/>
           </a:p>
@@ -5105,7 +5105,7 @@
             <a:fld id="{425404F2-BE9A-4460-8815-8F645183555F}" type="datetimeFigureOut">
               <a:rPr lang="en-US" smtClean="0"/>
               <a:pPr/>
-              <a:t>12/6/2020</a:t>
+              <a:t>12/12/2020</a:t>
             </a:fld>
             <a:endParaRPr lang="en-US"/>
           </a:p>
@@ -5359,7 +5359,7 @@
             <a:fld id="{425404F2-BE9A-4460-8815-8F645183555F}" type="datetimeFigureOut">
               <a:rPr lang="en-US" smtClean="0"/>
               <a:pPr/>
-              <a:t>12/6/2020</a:t>
+              <a:t>12/12/2020</a:t>
             </a:fld>
             <a:endParaRPr lang="en-US"/>
           </a:p>
@@ -5529,7 +5529,7 @@
             <a:fld id="{425404F2-BE9A-4460-8815-8F645183555F}" type="datetimeFigureOut">
               <a:rPr lang="en-US" smtClean="0"/>
               <a:pPr/>
-              <a:t>12/6/2020</a:t>
+              <a:t>12/12/2020</a:t>
             </a:fld>
             <a:endParaRPr lang="en-US"/>
           </a:p>
@@ -5709,7 +5709,7 @@
             <a:fld id="{425404F2-BE9A-4460-8815-8F645183555F}" type="datetimeFigureOut">
               <a:rPr lang="en-US" smtClean="0"/>
               <a:pPr/>
-              <a:t>12/6/2020</a:t>
+              <a:t>12/12/2020</a:t>
             </a:fld>
             <a:endParaRPr lang="en-US"/>
           </a:p>
@@ -5955,7 +5955,7 @@
           <a:p>
             <a:fld id="{E26E0DA5-0C76-4851-AA82-0B75261F9EB4}" type="datetimeFigureOut">
               <a:rPr lang="en-US" smtClean="0"/>
-              <a:t>12/6/2020</a:t>
+              <a:t>12/12/2020</a:t>
             </a:fld>
             <a:endParaRPr lang="en-US"/>
           </a:p>
@@ -6184,7 +6184,7 @@
           <a:p>
             <a:fld id="{E26E0DA5-0C76-4851-AA82-0B75261F9EB4}" type="datetimeFigureOut">
               <a:rPr lang="en-US" smtClean="0"/>
-              <a:t>12/6/2020</a:t>
+              <a:t>12/12/2020</a:t>
             </a:fld>
             <a:endParaRPr lang="en-US"/>
           </a:p>
@@ -6548,7 +6548,7 @@
           <a:p>
             <a:fld id="{E26E0DA5-0C76-4851-AA82-0B75261F9EB4}" type="datetimeFigureOut">
               <a:rPr lang="en-US" smtClean="0"/>
-              <a:t>12/6/2020</a:t>
+              <a:t>12/12/2020</a:t>
             </a:fld>
             <a:endParaRPr lang="en-US"/>
           </a:p>
@@ -6665,7 +6665,7 @@
           <a:p>
             <a:fld id="{E26E0DA5-0C76-4851-AA82-0B75261F9EB4}" type="datetimeFigureOut">
               <a:rPr lang="en-US" smtClean="0"/>
-              <a:t>12/6/2020</a:t>
+              <a:t>12/12/2020</a:t>
             </a:fld>
             <a:endParaRPr lang="en-US"/>
           </a:p>
@@ -6760,7 +6760,7 @@
           <a:p>
             <a:fld id="{E26E0DA5-0C76-4851-AA82-0B75261F9EB4}" type="datetimeFigureOut">
               <a:rPr lang="en-US" smtClean="0"/>
-              <a:t>12/6/2020</a:t>
+              <a:t>12/12/2020</a:t>
             </a:fld>
             <a:endParaRPr lang="en-US"/>
           </a:p>
@@ -7035,7 +7035,7 @@
           <a:p>
             <a:fld id="{E26E0DA5-0C76-4851-AA82-0B75261F9EB4}" type="datetimeFigureOut">
               <a:rPr lang="en-US" smtClean="0"/>
-              <a:t>12/6/2020</a:t>
+              <a:t>12/12/2020</a:t>
             </a:fld>
             <a:endParaRPr lang="en-US"/>
           </a:p>
@@ -7287,7 +7287,7 @@
           <a:p>
             <a:fld id="{E26E0DA5-0C76-4851-AA82-0B75261F9EB4}" type="datetimeFigureOut">
               <a:rPr lang="en-US" smtClean="0"/>
-              <a:t>12/6/2020</a:t>
+              <a:t>12/12/2020</a:t>
             </a:fld>
             <a:endParaRPr lang="en-US"/>
           </a:p>
@@ -7498,7 +7498,7 @@
           <a:p>
             <a:fld id="{E26E0DA5-0C76-4851-AA82-0B75261F9EB4}" type="datetimeFigureOut">
               <a:rPr lang="en-US" smtClean="0"/>
-              <a:t>12/6/2020</a:t>
+              <a:t>12/12/2020</a:t>
             </a:fld>
             <a:endParaRPr lang="en-US"/>
           </a:p>
@@ -8055,7 +8055,7 @@
             <a:fld id="{425404F2-BE9A-4460-8815-8F645183555F}" type="datetimeFigureOut">
               <a:rPr lang="en-US" smtClean="0"/>
               <a:pPr/>
-              <a:t>12/6/2020</a:t>
+              <a:t>12/12/2020</a:t>
             </a:fld>
             <a:endParaRPr lang="en-US"/>
           </a:p>
@@ -10285,7 +10285,7 @@
         <p:spPr>
           <a:xfrm>
             <a:off x="152401" y="990600"/>
-            <a:ext cx="11807195" cy="2677656"/>
+            <a:ext cx="11807195" cy="3785652"/>
           </a:xfrm>
           <a:prstGeom prst="rect">
             <a:avLst/>
@@ -10327,7 +10327,7 @@
               <a:buAutoNum type="arabicPeriod"/>
             </a:pPr>
             <a:r>
-              <a:rPr lang="en-US" sz="2400">
+              <a:rPr lang="en-US" sz="2400" dirty="0">
                 <a:solidFill>
                   <a:prstClr val="black"/>
                 </a:solidFill>
@@ -10335,12 +10335,6 @@
               </a:rPr>
               <a:t>Model based</a:t>
             </a:r>
-            <a:endParaRPr lang="en-US" sz="2400" dirty="0">
-              <a:solidFill>
-                <a:prstClr val="black"/>
-              </a:solidFill>
-              <a:latin typeface="Calibri"/>
-            </a:endParaRPr>
           </a:p>
           <a:p>
             <a:pPr marL="457200" indent="-457200" defTabSz="1218987">
@@ -10412,7 +10406,7 @@
                 </a:solidFill>
                 <a:latin typeface="Calibri"/>
               </a:rPr>
-              <a:t> file based (shape file) - </a:t>
+              <a:t> file based (shape file) – </a:t>
             </a:r>
             <a:r>
               <a:rPr lang="en-US" sz="2400" dirty="0">
@@ -10423,6 +10417,36 @@
                 <a:hlinkClick r:id="rId4"/>
               </a:rPr>
               <a:t>dataset</a:t>
+            </a:r>
+            <a:endParaRPr lang="en-US" sz="2400" dirty="0">
+              <a:solidFill>
+                <a:prstClr val="black"/>
+              </a:solidFill>
+              <a:latin typeface="Calibri"/>
+            </a:endParaRPr>
+          </a:p>
+          <a:p>
+            <a:pPr marL="457200" indent="-457200" defTabSz="1218987">
+              <a:buFontTx/>
+              <a:buAutoNum type="arabicPeriod"/>
+            </a:pPr>
+            <a:endParaRPr lang="en-US" sz="2400" dirty="0">
+              <a:solidFill>
+                <a:prstClr val="black"/>
+              </a:solidFill>
+              <a:latin typeface="Calibri"/>
+            </a:endParaRPr>
+          </a:p>
+          <a:p>
+            <a:pPr defTabSz="1218987"/>
+            <a:r>
+              <a:rPr lang="en-US" sz="2400">
+                <a:solidFill>
+                  <a:prstClr val="black"/>
+                </a:solidFill>
+                <a:latin typeface="Calibri"/>
+              </a:rPr>
+              <a:t>https://www.igismap.com/download-india-boundary-shapefile-free-states-boundary-assembly-constituencies-village-boundaries/</a:t>
             </a:r>
             <a:endParaRPr lang="en-US" sz="2400" dirty="0">
               <a:solidFill>
